--- a/ppt/최종발표.pptx
+++ b/ppt/최종발표.pptx
@@ -9,6 +9,8 @@
     <p:sldId id="258" r:id="rId3"/>
     <p:sldId id="260" r:id="rId4"/>
     <p:sldId id="263" r:id="rId5"/>
+    <p:sldId id="264" r:id="rId6"/>
+    <p:sldId id="265" r:id="rId7"/>
   </p:sldIdLst>
   <p:sldSz cx="12192000" cy="6858000"/>
   <p:notesSz cx="6858000" cy="9144000"/>
@@ -8099,8 +8101,44 @@
         </p:blipFill>
         <p:spPr>
           <a:xfrm>
-            <a:off x="6600056" y="2194049"/>
+            <a:off x="6096000" y="2235564"/>
             <a:ext cx="1791743" cy="3381293"/>
+          </a:xfrm>
+          <a:prstGeom prst="rect">
+            <a:avLst/>
+          </a:prstGeom>
+        </p:spPr>
+      </p:pic>
+      <p:pic>
+        <p:nvPicPr>
+          <p:cNvPr id="6" name="그림 5">
+            <a:extLst>
+              <a:ext uri="{FF2B5EF4-FFF2-40B4-BE49-F238E27FC236}">
+                <a16:creationId xmlns:a16="http://schemas.microsoft.com/office/drawing/2014/main" id="{64A866A4-1B00-42E8-9270-60121A7FA003}"/>
+              </a:ext>
+            </a:extLst>
+          </p:cNvPr>
+          <p:cNvPicPr>
+            <a:picLocks noChangeAspect="1"/>
+          </p:cNvPicPr>
+          <p:nvPr/>
+        </p:nvPicPr>
+        <p:blipFill>
+          <a:blip r:embed="rId4">
+            <a:extLst>
+              <a:ext uri="{28A0092B-C50C-407E-A947-70E740481C1C}">
+                <a14:useLocalDpi xmlns:a14="http://schemas.microsoft.com/office/drawing/2010/main" val="0"/>
+              </a:ext>
+            </a:extLst>
+          </a:blip>
+          <a:stretch>
+            <a:fillRect/>
+          </a:stretch>
+        </p:blipFill>
+        <p:spPr>
+          <a:xfrm>
+            <a:off x="7889637" y="3429000"/>
+            <a:ext cx="1520625" cy="2027498"/>
           </a:xfrm>
           <a:prstGeom prst="rect">
             <a:avLst/>
@@ -8111,6 +8149,872 @@
     <p:extLst>
       <p:ext uri="{BB962C8B-B14F-4D97-AF65-F5344CB8AC3E}">
         <p14:creationId xmlns:p14="http://schemas.microsoft.com/office/powerpoint/2010/main" val="2072914735"/>
+      </p:ext>
+    </p:extLst>
+  </p:cSld>
+  <p:clrMapOvr>
+    <a:masterClrMapping/>
+  </p:clrMapOvr>
+</p:sld>
+</file>
+
+<file path=ppt/slides/slide5.xml><?xml version="1.0" encoding="utf-8"?>
+<p:sld xmlns:a="http://schemas.openxmlformats.org/drawingml/2006/main" xmlns:r="http://schemas.openxmlformats.org/officeDocument/2006/relationships" xmlns:p="http://schemas.openxmlformats.org/presentationml/2006/main">
+  <p:cSld>
+    <p:spTree>
+      <p:nvGrpSpPr>
+        <p:cNvPr id="1" name=""/>
+        <p:cNvGrpSpPr/>
+        <p:nvPr/>
+      </p:nvGrpSpPr>
+      <p:grpSpPr>
+        <a:xfrm>
+          <a:off x="0" y="0"/>
+          <a:ext cx="0" cy="0"/>
+          <a:chOff x="0" y="0"/>
+          <a:chExt cx="0" cy="0"/>
+        </a:xfrm>
+      </p:grpSpPr>
+      <p:sp>
+        <p:nvSpPr>
+          <p:cNvPr id="3" name="제목 2">
+            <a:extLst>
+              <a:ext uri="{FF2B5EF4-FFF2-40B4-BE49-F238E27FC236}">
+                <a16:creationId xmlns:a16="http://schemas.microsoft.com/office/drawing/2014/main" id="{85EE0D91-AACF-4FB5-B1C9-8A2D1877952D}"/>
+              </a:ext>
+            </a:extLst>
+          </p:cNvPr>
+          <p:cNvSpPr>
+            <a:spLocks noGrp="1"/>
+          </p:cNvSpPr>
+          <p:nvPr>
+            <p:ph type="title" idx="14"/>
+          </p:nvPr>
+        </p:nvSpPr>
+        <p:spPr/>
+        <p:txBody>
+          <a:bodyPr>
+            <a:normAutofit fontScale="90000"/>
+          </a:bodyPr>
+          <a:lstStyle/>
+          <a:p>
+            <a:r>
+              <a:rPr lang="ko-KR" altLang="en-US" dirty="0" err="1"/>
+              <a:t>커밋횟수</a:t>
+            </a:r>
+            <a:r>
+              <a:rPr lang="ko-KR" altLang="en-US" dirty="0"/>
+              <a:t> </a:t>
+            </a:r>
+          </a:p>
+        </p:txBody>
+      </p:sp>
+      <p:graphicFrame>
+        <p:nvGraphicFramePr>
+          <p:cNvPr id="4" name="표 3">
+            <a:extLst>
+              <a:ext uri="{FF2B5EF4-FFF2-40B4-BE49-F238E27FC236}">
+                <a16:creationId xmlns:a16="http://schemas.microsoft.com/office/drawing/2014/main" id="{8D0179F5-3F58-46E3-AAF0-12FD6B3C5EFB}"/>
+              </a:ext>
+            </a:extLst>
+          </p:cNvPr>
+          <p:cNvGraphicFramePr>
+            <a:graphicFrameLocks noGrp="1"/>
+          </p:cNvGraphicFramePr>
+          <p:nvPr>
+            <p:extLst>
+              <p:ext uri="{D42A27DB-BD31-4B8C-83A1-F6EECF244321}">
+                <p14:modId xmlns:p14="http://schemas.microsoft.com/office/powerpoint/2010/main" val="1464983630"/>
+              </p:ext>
+            </p:extLst>
+          </p:nvPr>
+        </p:nvGraphicFramePr>
+        <p:xfrm>
+          <a:off x="1469909" y="1269365"/>
+          <a:ext cx="9306611" cy="4967952"/>
+        </p:xfrm>
+        <a:graphic>
+          <a:graphicData uri="http://schemas.openxmlformats.org/drawingml/2006/table">
+            <a:tbl>
+              <a:tblPr firstRow="1" bandRow="1">
+                <a:tableStyleId>{5C22544A-7EE6-4342-B048-85BDC9FD1C3A}</a:tableStyleId>
+              </a:tblPr>
+              <a:tblGrid>
+                <a:gridCol w="2068135">
+                  <a:extLst>
+                    <a:ext uri="{9D8B030D-6E8A-4147-A177-3AD203B41FA5}">
+                      <a16:colId xmlns:a16="http://schemas.microsoft.com/office/drawing/2014/main" val="1761706053"/>
+                    </a:ext>
+                  </a:extLst>
+                </a:gridCol>
+                <a:gridCol w="7238476">
+                  <a:extLst>
+                    <a:ext uri="{9D8B030D-6E8A-4147-A177-3AD203B41FA5}">
+                      <a16:colId xmlns:a16="http://schemas.microsoft.com/office/drawing/2014/main" val="2230742554"/>
+                    </a:ext>
+                  </a:extLst>
+                </a:gridCol>
+              </a:tblGrid>
+              <a:tr h="451632">
+                <a:tc>
+                  <a:txBody>
+                    <a:bodyPr/>
+                    <a:lstStyle/>
+                    <a:p>
+                      <a:pPr algn="ctr" latinLnBrk="1"/>
+                      <a:r>
+                        <a:rPr lang="ko-KR" altLang="en-US" dirty="0"/>
+                        <a:t>주</a:t>
+                      </a:r>
+                    </a:p>
+                  </a:txBody>
+                  <a:tcPr/>
+                </a:tc>
+                <a:tc>
+                  <a:txBody>
+                    <a:bodyPr/>
+                    <a:lstStyle/>
+                    <a:p>
+                      <a:pPr algn="ctr" latinLnBrk="1"/>
+                      <a:r>
+                        <a:rPr lang="ko-KR" altLang="en-US" dirty="0" err="1"/>
+                        <a:t>커밋</a:t>
+                      </a:r>
+                      <a:r>
+                        <a:rPr lang="ko-KR" altLang="en-US" dirty="0"/>
+                        <a:t> 횟수</a:t>
+                      </a:r>
+                    </a:p>
+                  </a:txBody>
+                  <a:tcPr/>
+                </a:tc>
+                <a:extLst>
+                  <a:ext uri="{0D108BD9-81ED-4DB2-BD59-A6C34878D82A}">
+                    <a16:rowId xmlns:a16="http://schemas.microsoft.com/office/drawing/2014/main" val="1869526967"/>
+                  </a:ext>
+                </a:extLst>
+              </a:tr>
+              <a:tr h="451632">
+                <a:tc>
+                  <a:txBody>
+                    <a:bodyPr/>
+                    <a:lstStyle/>
+                    <a:p>
+                      <a:pPr algn="ctr" latinLnBrk="1"/>
+                      <a:r>
+                        <a:rPr lang="en-US" altLang="ko-KR" dirty="0"/>
+                        <a:t>9</a:t>
+                      </a:r>
+                      <a:r>
+                        <a:rPr lang="ko-KR" altLang="en-US" dirty="0"/>
+                        <a:t>월 </a:t>
+                      </a:r>
+                      <a:r>
+                        <a:rPr lang="en-US" altLang="ko-KR" dirty="0"/>
+                        <a:t>24</a:t>
+                      </a:r>
+                      <a:r>
+                        <a:rPr lang="ko-KR" altLang="en-US" dirty="0"/>
+                        <a:t>일</a:t>
+                      </a:r>
+                      <a:r>
+                        <a:rPr lang="en-US" altLang="ko-KR" dirty="0"/>
+                        <a:t>~</a:t>
+                      </a:r>
+                      <a:endParaRPr lang="ko-KR" altLang="en-US" dirty="0"/>
+                    </a:p>
+                  </a:txBody>
+                  <a:tcPr/>
+                </a:tc>
+                <a:tc>
+                  <a:txBody>
+                    <a:bodyPr/>
+                    <a:lstStyle/>
+                    <a:p>
+                      <a:pPr algn="ctr" latinLnBrk="1"/>
+                      <a:r>
+                        <a:rPr lang="en-US" altLang="ko-KR" dirty="0"/>
+                        <a:t> 1</a:t>
+                      </a:r>
+                      <a:r>
+                        <a:rPr lang="ko-KR" altLang="en-US" dirty="0"/>
+                        <a:t>회</a:t>
+                      </a:r>
+                    </a:p>
+                  </a:txBody>
+                  <a:tcPr/>
+                </a:tc>
+                <a:extLst>
+                  <a:ext uri="{0D108BD9-81ED-4DB2-BD59-A6C34878D82A}">
+                    <a16:rowId xmlns:a16="http://schemas.microsoft.com/office/drawing/2014/main" val="509885631"/>
+                  </a:ext>
+                </a:extLst>
+              </a:tr>
+              <a:tr h="451632">
+                <a:tc>
+                  <a:txBody>
+                    <a:bodyPr/>
+                    <a:lstStyle/>
+                    <a:p>
+                      <a:pPr algn="ctr" latinLnBrk="1"/>
+                      <a:r>
+                        <a:rPr lang="en-US" altLang="ko-KR" dirty="0"/>
+                        <a:t>10</a:t>
+                      </a:r>
+                      <a:r>
+                        <a:rPr lang="ko-KR" altLang="en-US" dirty="0"/>
+                        <a:t>월 </a:t>
+                      </a:r>
+                      <a:r>
+                        <a:rPr lang="en-US" altLang="ko-KR" dirty="0"/>
+                        <a:t>1</a:t>
+                      </a:r>
+                      <a:r>
+                        <a:rPr lang="ko-KR" altLang="en-US" dirty="0"/>
+                        <a:t>일</a:t>
+                      </a:r>
+                      <a:r>
+                        <a:rPr lang="en-US" altLang="ko-KR" dirty="0"/>
+                        <a:t>~</a:t>
+                      </a:r>
+                      <a:endParaRPr lang="ko-KR" altLang="en-US" dirty="0"/>
+                    </a:p>
+                  </a:txBody>
+                  <a:tcPr/>
+                </a:tc>
+                <a:tc>
+                  <a:txBody>
+                    <a:bodyPr/>
+                    <a:lstStyle/>
+                    <a:p>
+                      <a:pPr algn="ctr" latinLnBrk="1"/>
+                      <a:r>
+                        <a:rPr lang="en-US" altLang="ko-KR" dirty="0"/>
+                        <a:t>21</a:t>
+                      </a:r>
+                      <a:r>
+                        <a:rPr lang="ko-KR" altLang="en-US" dirty="0"/>
+                        <a:t>회</a:t>
+                      </a:r>
+                    </a:p>
+                  </a:txBody>
+                  <a:tcPr/>
+                </a:tc>
+                <a:extLst>
+                  <a:ext uri="{0D108BD9-81ED-4DB2-BD59-A6C34878D82A}">
+                    <a16:rowId xmlns:a16="http://schemas.microsoft.com/office/drawing/2014/main" val="3343827233"/>
+                  </a:ext>
+                </a:extLst>
+              </a:tr>
+              <a:tr h="451632">
+                <a:tc>
+                  <a:txBody>
+                    <a:bodyPr/>
+                    <a:lstStyle/>
+                    <a:p>
+                      <a:pPr algn="ctr" latinLnBrk="1"/>
+                      <a:r>
+                        <a:rPr lang="en-US" altLang="ko-KR" dirty="0"/>
+                        <a:t>10</a:t>
+                      </a:r>
+                      <a:r>
+                        <a:rPr lang="ko-KR" altLang="en-US" dirty="0"/>
+                        <a:t>월 </a:t>
+                      </a:r>
+                      <a:r>
+                        <a:rPr lang="en-US" altLang="ko-KR" dirty="0"/>
+                        <a:t>8</a:t>
+                      </a:r>
+                      <a:r>
+                        <a:rPr lang="ko-KR" altLang="en-US" dirty="0"/>
+                        <a:t>일 </a:t>
+                      </a:r>
+                      <a:r>
+                        <a:rPr lang="en-US" altLang="ko-KR" dirty="0"/>
+                        <a:t>~</a:t>
+                      </a:r>
+                      <a:endParaRPr lang="ko-KR" altLang="en-US" dirty="0"/>
+                    </a:p>
+                  </a:txBody>
+                  <a:tcPr/>
+                </a:tc>
+                <a:tc>
+                  <a:txBody>
+                    <a:bodyPr/>
+                    <a:lstStyle/>
+                    <a:p>
+                      <a:pPr algn="ctr" latinLnBrk="1"/>
+                      <a:r>
+                        <a:rPr lang="en-US" altLang="ko-KR" dirty="0"/>
+                        <a:t>14</a:t>
+                      </a:r>
+                      <a:r>
+                        <a:rPr lang="ko-KR" altLang="en-US" dirty="0"/>
+                        <a:t>회</a:t>
+                      </a:r>
+                    </a:p>
+                  </a:txBody>
+                  <a:tcPr/>
+                </a:tc>
+                <a:extLst>
+                  <a:ext uri="{0D108BD9-81ED-4DB2-BD59-A6C34878D82A}">
+                    <a16:rowId xmlns:a16="http://schemas.microsoft.com/office/drawing/2014/main" val="3061793944"/>
+                  </a:ext>
+                </a:extLst>
+              </a:tr>
+              <a:tr h="451632">
+                <a:tc>
+                  <a:txBody>
+                    <a:bodyPr/>
+                    <a:lstStyle/>
+                    <a:p>
+                      <a:pPr algn="ctr" latinLnBrk="1"/>
+                      <a:r>
+                        <a:rPr lang="en-US" altLang="ko-KR" dirty="0"/>
+                        <a:t>10</a:t>
+                      </a:r>
+                      <a:r>
+                        <a:rPr lang="ko-KR" altLang="en-US" dirty="0"/>
+                        <a:t>월 </a:t>
+                      </a:r>
+                      <a:r>
+                        <a:rPr lang="en-US" altLang="ko-KR" dirty="0"/>
+                        <a:t>15</a:t>
+                      </a:r>
+                      <a:r>
+                        <a:rPr lang="ko-KR" altLang="en-US" dirty="0"/>
+                        <a:t>일 </a:t>
+                      </a:r>
+                      <a:r>
+                        <a:rPr lang="en-US" altLang="ko-KR" dirty="0"/>
+                        <a:t>~</a:t>
+                      </a:r>
+                      <a:endParaRPr lang="ko-KR" altLang="en-US" dirty="0"/>
+                    </a:p>
+                  </a:txBody>
+                  <a:tcPr/>
+                </a:tc>
+                <a:tc>
+                  <a:txBody>
+                    <a:bodyPr/>
+                    <a:lstStyle/>
+                    <a:p>
+                      <a:pPr algn="ctr" latinLnBrk="1"/>
+                      <a:r>
+                        <a:rPr lang="en-US" altLang="ko-KR" dirty="0"/>
+                        <a:t>4</a:t>
+                      </a:r>
+                      <a:r>
+                        <a:rPr lang="ko-KR" altLang="en-US" dirty="0"/>
+                        <a:t>회</a:t>
+                      </a:r>
+                    </a:p>
+                  </a:txBody>
+                  <a:tcPr/>
+                </a:tc>
+                <a:extLst>
+                  <a:ext uri="{0D108BD9-81ED-4DB2-BD59-A6C34878D82A}">
+                    <a16:rowId xmlns:a16="http://schemas.microsoft.com/office/drawing/2014/main" val="3764373760"/>
+                  </a:ext>
+                </a:extLst>
+              </a:tr>
+              <a:tr h="451632">
+                <a:tc>
+                  <a:txBody>
+                    <a:bodyPr/>
+                    <a:lstStyle/>
+                    <a:p>
+                      <a:pPr algn="ctr" latinLnBrk="1"/>
+                      <a:r>
+                        <a:rPr lang="en-US" altLang="ko-KR" dirty="0"/>
+                        <a:t>10</a:t>
+                      </a:r>
+                      <a:r>
+                        <a:rPr lang="ko-KR" altLang="en-US" dirty="0"/>
+                        <a:t>월 </a:t>
+                      </a:r>
+                      <a:r>
+                        <a:rPr lang="en-US" altLang="ko-KR" dirty="0"/>
+                        <a:t>22</a:t>
+                      </a:r>
+                      <a:r>
+                        <a:rPr lang="ko-KR" altLang="en-US" dirty="0"/>
+                        <a:t>일 </a:t>
+                      </a:r>
+                      <a:r>
+                        <a:rPr lang="en-US" altLang="ko-KR" dirty="0"/>
+                        <a:t>~</a:t>
+                      </a:r>
+                      <a:endParaRPr lang="ko-KR" altLang="en-US" dirty="0"/>
+                    </a:p>
+                  </a:txBody>
+                  <a:tcPr/>
+                </a:tc>
+                <a:tc>
+                  <a:txBody>
+                    <a:bodyPr/>
+                    <a:lstStyle/>
+                    <a:p>
+                      <a:pPr algn="ctr" latinLnBrk="1"/>
+                      <a:r>
+                        <a:rPr lang="en-US" altLang="ko-KR" dirty="0"/>
+                        <a:t>1</a:t>
+                      </a:r>
+                      <a:r>
+                        <a:rPr lang="ko-KR" altLang="en-US" dirty="0"/>
+                        <a:t>회</a:t>
+                      </a:r>
+                    </a:p>
+                  </a:txBody>
+                  <a:tcPr/>
+                </a:tc>
+                <a:extLst>
+                  <a:ext uri="{0D108BD9-81ED-4DB2-BD59-A6C34878D82A}">
+                    <a16:rowId xmlns:a16="http://schemas.microsoft.com/office/drawing/2014/main" val="1800989004"/>
+                  </a:ext>
+                </a:extLst>
+              </a:tr>
+              <a:tr h="451632">
+                <a:tc>
+                  <a:txBody>
+                    <a:bodyPr/>
+                    <a:lstStyle/>
+                    <a:p>
+                      <a:pPr algn="ctr" latinLnBrk="1"/>
+                      <a:r>
+                        <a:rPr lang="en-US" altLang="ko-KR" dirty="0"/>
+                        <a:t>10</a:t>
+                      </a:r>
+                      <a:r>
+                        <a:rPr lang="ko-KR" altLang="en-US" dirty="0"/>
+                        <a:t>월 </a:t>
+                      </a:r>
+                      <a:r>
+                        <a:rPr lang="en-US" altLang="ko-KR" dirty="0"/>
+                        <a:t>29</a:t>
+                      </a:r>
+                      <a:r>
+                        <a:rPr lang="ko-KR" altLang="en-US" dirty="0"/>
+                        <a:t>일 </a:t>
+                      </a:r>
+                      <a:r>
+                        <a:rPr lang="en-US" altLang="ko-KR" dirty="0"/>
+                        <a:t>~</a:t>
+                      </a:r>
+                      <a:endParaRPr lang="ko-KR" altLang="en-US" dirty="0"/>
+                    </a:p>
+                  </a:txBody>
+                  <a:tcPr/>
+                </a:tc>
+                <a:tc>
+                  <a:txBody>
+                    <a:bodyPr/>
+                    <a:lstStyle/>
+                    <a:p>
+                      <a:pPr algn="ctr" latinLnBrk="1"/>
+                      <a:r>
+                        <a:rPr lang="en-US" altLang="ko-KR" dirty="0"/>
+                        <a:t>2</a:t>
+                      </a:r>
+                      <a:r>
+                        <a:rPr lang="ko-KR" altLang="en-US" dirty="0"/>
+                        <a:t>회</a:t>
+                      </a:r>
+                    </a:p>
+                  </a:txBody>
+                  <a:tcPr/>
+                </a:tc>
+                <a:extLst>
+                  <a:ext uri="{0D108BD9-81ED-4DB2-BD59-A6C34878D82A}">
+                    <a16:rowId xmlns:a16="http://schemas.microsoft.com/office/drawing/2014/main" val="1056885272"/>
+                  </a:ext>
+                </a:extLst>
+              </a:tr>
+              <a:tr h="451632">
+                <a:tc>
+                  <a:txBody>
+                    <a:bodyPr/>
+                    <a:lstStyle/>
+                    <a:p>
+                      <a:pPr algn="ctr" latinLnBrk="1"/>
+                      <a:r>
+                        <a:rPr lang="en-US" altLang="ko-KR" dirty="0"/>
+                        <a:t>11</a:t>
+                      </a:r>
+                      <a:r>
+                        <a:rPr lang="ko-KR" altLang="en-US" dirty="0"/>
+                        <a:t>월 </a:t>
+                      </a:r>
+                      <a:r>
+                        <a:rPr lang="en-US" altLang="ko-KR" dirty="0"/>
+                        <a:t>5</a:t>
+                      </a:r>
+                      <a:r>
+                        <a:rPr lang="ko-KR" altLang="en-US" dirty="0"/>
+                        <a:t>일 </a:t>
+                      </a:r>
+                      <a:r>
+                        <a:rPr lang="en-US" altLang="ko-KR" dirty="0"/>
+                        <a:t>~</a:t>
+                      </a:r>
+                      <a:endParaRPr lang="ko-KR" altLang="en-US" dirty="0"/>
+                    </a:p>
+                  </a:txBody>
+                  <a:tcPr/>
+                </a:tc>
+                <a:tc>
+                  <a:txBody>
+                    <a:bodyPr/>
+                    <a:lstStyle/>
+                    <a:p>
+                      <a:pPr algn="ctr" latinLnBrk="1"/>
+                      <a:r>
+                        <a:rPr lang="en-US" altLang="ko-KR" dirty="0"/>
+                        <a:t>11</a:t>
+                      </a:r>
+                      <a:r>
+                        <a:rPr lang="ko-KR" altLang="en-US" dirty="0"/>
+                        <a:t>회</a:t>
+                      </a:r>
+                    </a:p>
+                  </a:txBody>
+                  <a:tcPr/>
+                </a:tc>
+                <a:extLst>
+                  <a:ext uri="{0D108BD9-81ED-4DB2-BD59-A6C34878D82A}">
+                    <a16:rowId xmlns:a16="http://schemas.microsoft.com/office/drawing/2014/main" val="414487836"/>
+                  </a:ext>
+                </a:extLst>
+              </a:tr>
+              <a:tr h="451632">
+                <a:tc>
+                  <a:txBody>
+                    <a:bodyPr/>
+                    <a:lstStyle/>
+                    <a:p>
+                      <a:pPr algn="ctr" latinLnBrk="1"/>
+                      <a:r>
+                        <a:rPr lang="en-US" altLang="ko-KR" dirty="0"/>
+                        <a:t>11</a:t>
+                      </a:r>
+                      <a:r>
+                        <a:rPr lang="ko-KR" altLang="en-US" dirty="0"/>
+                        <a:t>월 </a:t>
+                      </a:r>
+                      <a:r>
+                        <a:rPr lang="en-US" altLang="ko-KR" dirty="0"/>
+                        <a:t>12</a:t>
+                      </a:r>
+                      <a:r>
+                        <a:rPr lang="ko-KR" altLang="en-US" dirty="0"/>
+                        <a:t>일</a:t>
+                      </a:r>
+                      <a:r>
+                        <a:rPr lang="en-US" altLang="ko-KR" dirty="0"/>
+                        <a:t>~</a:t>
+                      </a:r>
+                      <a:endParaRPr lang="ko-KR" altLang="en-US" dirty="0"/>
+                    </a:p>
+                  </a:txBody>
+                  <a:tcPr/>
+                </a:tc>
+                <a:tc>
+                  <a:txBody>
+                    <a:bodyPr/>
+                    <a:lstStyle/>
+                    <a:p>
+                      <a:pPr algn="ctr" latinLnBrk="1"/>
+                      <a:r>
+                        <a:rPr lang="en-US" altLang="ko-KR" dirty="0"/>
+                        <a:t>0</a:t>
+                      </a:r>
+                      <a:r>
+                        <a:rPr lang="ko-KR" altLang="en-US" dirty="0"/>
+                        <a:t>회</a:t>
+                      </a:r>
+                    </a:p>
+                  </a:txBody>
+                  <a:tcPr/>
+                </a:tc>
+                <a:extLst>
+                  <a:ext uri="{0D108BD9-81ED-4DB2-BD59-A6C34878D82A}">
+                    <a16:rowId xmlns:a16="http://schemas.microsoft.com/office/drawing/2014/main" val="3102576073"/>
+                  </a:ext>
+                </a:extLst>
+              </a:tr>
+              <a:tr h="451632">
+                <a:tc>
+                  <a:txBody>
+                    <a:bodyPr/>
+                    <a:lstStyle/>
+                    <a:p>
+                      <a:pPr algn="ctr" latinLnBrk="1"/>
+                      <a:r>
+                        <a:rPr lang="en-US" altLang="ko-KR" dirty="0"/>
+                        <a:t>11</a:t>
+                      </a:r>
+                      <a:r>
+                        <a:rPr lang="ko-KR" altLang="en-US" dirty="0"/>
+                        <a:t>월 </a:t>
+                      </a:r>
+                      <a:r>
+                        <a:rPr lang="en-US" altLang="ko-KR" dirty="0"/>
+                        <a:t>19</a:t>
+                      </a:r>
+                      <a:r>
+                        <a:rPr lang="ko-KR" altLang="en-US" dirty="0"/>
+                        <a:t>일</a:t>
+                      </a:r>
+                      <a:r>
+                        <a:rPr lang="en-US" altLang="ko-KR" dirty="0"/>
+                        <a:t>~</a:t>
+                      </a:r>
+                      <a:endParaRPr lang="ko-KR" altLang="en-US" dirty="0"/>
+                    </a:p>
+                  </a:txBody>
+                  <a:tcPr/>
+                </a:tc>
+                <a:tc>
+                  <a:txBody>
+                    <a:bodyPr/>
+                    <a:lstStyle/>
+                    <a:p>
+                      <a:pPr algn="ctr" latinLnBrk="1"/>
+                      <a:r>
+                        <a:rPr lang="en-US" altLang="ko-KR" dirty="0"/>
+                        <a:t>0</a:t>
+                      </a:r>
+                      <a:r>
+                        <a:rPr lang="ko-KR" altLang="en-US" dirty="0"/>
+                        <a:t>회</a:t>
+                      </a:r>
+                    </a:p>
+                  </a:txBody>
+                  <a:tcPr/>
+                </a:tc>
+                <a:extLst>
+                  <a:ext uri="{0D108BD9-81ED-4DB2-BD59-A6C34878D82A}">
+                    <a16:rowId xmlns:a16="http://schemas.microsoft.com/office/drawing/2014/main" val="4127591965"/>
+                  </a:ext>
+                </a:extLst>
+              </a:tr>
+              <a:tr h="451632">
+                <a:tc>
+                  <a:txBody>
+                    <a:bodyPr/>
+                    <a:lstStyle/>
+                    <a:p>
+                      <a:pPr algn="ctr" latinLnBrk="1"/>
+                      <a:r>
+                        <a:rPr lang="en-US" altLang="ko-KR" dirty="0"/>
+                        <a:t>11</a:t>
+                      </a:r>
+                      <a:r>
+                        <a:rPr lang="ko-KR" altLang="en-US" dirty="0"/>
+                        <a:t>월 </a:t>
+                      </a:r>
+                      <a:r>
+                        <a:rPr lang="en-US" altLang="ko-KR" dirty="0"/>
+                        <a:t>26</a:t>
+                      </a:r>
+                      <a:r>
+                        <a:rPr lang="ko-KR" altLang="en-US" dirty="0"/>
+                        <a:t>일 </a:t>
+                      </a:r>
+                      <a:r>
+                        <a:rPr lang="en-US" altLang="ko-KR" dirty="0"/>
+                        <a:t>~</a:t>
+                      </a:r>
+                      <a:endParaRPr lang="ko-KR" altLang="en-US" dirty="0"/>
+                    </a:p>
+                  </a:txBody>
+                  <a:tcPr/>
+                </a:tc>
+                <a:tc>
+                  <a:txBody>
+                    <a:bodyPr/>
+                    <a:lstStyle/>
+                    <a:p>
+                      <a:pPr algn="ctr" latinLnBrk="1"/>
+                      <a:r>
+                        <a:rPr lang="en-US" altLang="ko-KR" dirty="0"/>
+                        <a:t>3</a:t>
+                      </a:r>
+                      <a:r>
+                        <a:rPr lang="ko-KR" altLang="en-US" dirty="0"/>
+                        <a:t>회</a:t>
+                      </a:r>
+                    </a:p>
+                  </a:txBody>
+                  <a:tcPr/>
+                </a:tc>
+                <a:extLst>
+                  <a:ext uri="{0D108BD9-81ED-4DB2-BD59-A6C34878D82A}">
+                    <a16:rowId xmlns:a16="http://schemas.microsoft.com/office/drawing/2014/main" val="828728337"/>
+                  </a:ext>
+                </a:extLst>
+              </a:tr>
+            </a:tbl>
+          </a:graphicData>
+        </a:graphic>
+      </p:graphicFrame>
+    </p:spTree>
+    <p:extLst>
+      <p:ext uri="{BB962C8B-B14F-4D97-AF65-F5344CB8AC3E}">
+        <p14:creationId xmlns:p14="http://schemas.microsoft.com/office/powerpoint/2010/main" val="1434983803"/>
+      </p:ext>
+    </p:extLst>
+  </p:cSld>
+  <p:clrMapOvr>
+    <a:masterClrMapping/>
+  </p:clrMapOvr>
+</p:sld>
+</file>
+
+<file path=ppt/slides/slide6.xml><?xml version="1.0" encoding="utf-8"?>
+<p:sld xmlns:a="http://schemas.openxmlformats.org/drawingml/2006/main" xmlns:r="http://schemas.openxmlformats.org/officeDocument/2006/relationships" xmlns:p="http://schemas.openxmlformats.org/presentationml/2006/main">
+  <p:cSld>
+    <p:spTree>
+      <p:nvGrpSpPr>
+        <p:cNvPr id="1" name=""/>
+        <p:cNvGrpSpPr/>
+        <p:nvPr/>
+      </p:nvGrpSpPr>
+      <p:grpSpPr>
+        <a:xfrm>
+          <a:off x="0" y="0"/>
+          <a:ext cx="0" cy="0"/>
+          <a:chOff x="0" y="0"/>
+          <a:chExt cx="0" cy="0"/>
+        </a:xfrm>
+      </p:grpSpPr>
+      <p:sp>
+        <p:nvSpPr>
+          <p:cNvPr id="2" name="텍스트 개체 틀 1">
+            <a:extLst>
+              <a:ext uri="{FF2B5EF4-FFF2-40B4-BE49-F238E27FC236}">
+                <a16:creationId xmlns:a16="http://schemas.microsoft.com/office/drawing/2014/main" id="{F17C40A0-8592-4888-A8A1-2141E31BF457}"/>
+              </a:ext>
+            </a:extLst>
+          </p:cNvPr>
+          <p:cNvSpPr>
+            <a:spLocks noGrp="1"/>
+          </p:cNvSpPr>
+          <p:nvPr>
+            <p:ph type="body" idx="1"/>
+          </p:nvPr>
+        </p:nvSpPr>
+        <p:spPr/>
+        <p:txBody>
+          <a:bodyPr/>
+          <a:lstStyle/>
+          <a:p>
+            <a:r>
+              <a:rPr lang="ko-KR" altLang="en-US" dirty="0" err="1"/>
+              <a:t>잘된점</a:t>
+            </a:r>
+            <a:r>
+              <a:rPr lang="ko-KR" altLang="en-US" dirty="0"/>
+              <a:t> </a:t>
+            </a:r>
+            <a:r>
+              <a:rPr lang="en-US" altLang="ko-KR" dirty="0"/>
+              <a:t>: </a:t>
+            </a:r>
+            <a:r>
+              <a:rPr lang="ko-KR" altLang="en-US" dirty="0"/>
+              <a:t>이동 및 아이템 </a:t>
+            </a:r>
+            <a:r>
+              <a:rPr lang="en-US" altLang="ko-KR" dirty="0"/>
+              <a:t>3</a:t>
+            </a:r>
+            <a:r>
+              <a:rPr lang="ko-KR" altLang="en-US" dirty="0"/>
+              <a:t>종의 사격효과</a:t>
+            </a:r>
+            <a:r>
+              <a:rPr lang="en-US" altLang="ko-KR" dirty="0"/>
+              <a:t>, </a:t>
+            </a:r>
+            <a:r>
+              <a:rPr lang="ko-KR" altLang="en-US" dirty="0"/>
+              <a:t>충돌체크</a:t>
+            </a:r>
+            <a:endParaRPr lang="en-US" altLang="ko-KR" dirty="0"/>
+          </a:p>
+          <a:p>
+            <a:r>
+              <a:rPr lang="ko-KR" altLang="en-US" dirty="0" err="1"/>
+              <a:t>아쉬운점</a:t>
+            </a:r>
+            <a:r>
+              <a:rPr lang="ko-KR" altLang="en-US" dirty="0"/>
+              <a:t> </a:t>
+            </a:r>
+            <a:r>
+              <a:rPr lang="en-US" altLang="ko-KR" dirty="0"/>
+              <a:t>: </a:t>
+            </a:r>
+            <a:r>
+              <a:rPr lang="ko-KR" altLang="en-US" dirty="0" err="1"/>
+              <a:t>미구현인</a:t>
+            </a:r>
+            <a:r>
+              <a:rPr lang="ko-KR" altLang="en-US" dirty="0"/>
+              <a:t> 부분이 많다</a:t>
+            </a:r>
+            <a:r>
+              <a:rPr lang="en-US" altLang="ko-KR" dirty="0"/>
+              <a:t>.</a:t>
+            </a:r>
+            <a:endParaRPr lang="ko-KR" altLang="en-US" dirty="0"/>
+          </a:p>
+        </p:txBody>
+      </p:sp>
+      <p:sp>
+        <p:nvSpPr>
+          <p:cNvPr id="3" name="제목 2">
+            <a:extLst>
+              <a:ext uri="{FF2B5EF4-FFF2-40B4-BE49-F238E27FC236}">
+                <a16:creationId xmlns:a16="http://schemas.microsoft.com/office/drawing/2014/main" id="{D79CF3B2-940A-4E74-8392-0CB699AC939A}"/>
+              </a:ext>
+            </a:extLst>
+          </p:cNvPr>
+          <p:cNvSpPr>
+            <a:spLocks noGrp="1"/>
+          </p:cNvSpPr>
+          <p:nvPr>
+            <p:ph type="title" idx="14"/>
+          </p:nvPr>
+        </p:nvSpPr>
+        <p:spPr/>
+        <p:txBody>
+          <a:bodyPr>
+            <a:normAutofit fontScale="90000"/>
+          </a:bodyPr>
+          <a:lstStyle/>
+          <a:p>
+            <a:r>
+              <a:rPr lang="ko-KR" altLang="en-US" dirty="0" err="1"/>
+              <a:t>잘된점과</a:t>
+            </a:r>
+            <a:r>
+              <a:rPr lang="ko-KR" altLang="en-US" dirty="0"/>
+              <a:t> </a:t>
+            </a:r>
+            <a:r>
+              <a:rPr lang="ko-KR" altLang="en-US" dirty="0" err="1"/>
+              <a:t>아쉬운점</a:t>
+            </a:r>
+            <a:endParaRPr lang="ko-KR" altLang="en-US" dirty="0"/>
+          </a:p>
+        </p:txBody>
+      </p:sp>
+    </p:spTree>
+    <p:extLst>
+      <p:ext uri="{BB962C8B-B14F-4D97-AF65-F5344CB8AC3E}">
+        <p14:creationId xmlns:p14="http://schemas.microsoft.com/office/powerpoint/2010/main" val="4077299730"/>
       </p:ext>
     </p:extLst>
   </p:cSld>
